--- a/education/Creational Patterns Nataliia Svystun.pptx
+++ b/education/Creational Patterns Nataliia Svystun.pptx
@@ -7,10 +7,10 @@
     <p:sldMasterId id="2147483686" r:id="rId3"/>
   </p:sldMasterIdLst>
   <p:notesMasterIdLst>
-    <p:notesMasterId r:id="rId19"/>
+    <p:notesMasterId r:id="rId22"/>
   </p:notesMasterIdLst>
   <p:handoutMasterIdLst>
-    <p:handoutMasterId r:id="rId20"/>
+    <p:handoutMasterId r:id="rId23"/>
   </p:handoutMasterIdLst>
   <p:sldIdLst>
     <p:sldId id="287" r:id="rId4"/>
@@ -24,10 +24,13 @@
     <p:sldId id="290" r:id="rId12"/>
     <p:sldId id="293" r:id="rId13"/>
     <p:sldId id="269" r:id="rId14"/>
-    <p:sldId id="292" r:id="rId15"/>
-    <p:sldId id="272" r:id="rId16"/>
-    <p:sldId id="273" r:id="rId17"/>
-    <p:sldId id="262" r:id="rId18"/>
+    <p:sldId id="295" r:id="rId15"/>
+    <p:sldId id="294" r:id="rId16"/>
+    <p:sldId id="292" r:id="rId17"/>
+    <p:sldId id="297" r:id="rId18"/>
+    <p:sldId id="298" r:id="rId19"/>
+    <p:sldId id="296" r:id="rId20"/>
+    <p:sldId id="262" r:id="rId21"/>
   </p:sldIdLst>
   <p:sldSz cx="9144000" cy="6858000" type="screen4x3"/>
   <p:notesSz cx="6858000" cy="9144000"/>
@@ -235,7 +238,7 @@
           <a:p>
             <a:fld id="{4DF7676A-16FE-41B0-990D-65C7DB39A42C}" type="datetimeFigureOut">
               <a:rPr lang="uk-UA" smtClean="0"/>
-              <a:t>23.10.2017</a:t>
+              <a:t>26.10.2017</a:t>
             </a:fld>
             <a:endParaRPr lang="uk-UA"/>
           </a:p>
@@ -400,7 +403,7 @@
           <a:p>
             <a:fld id="{34DE2F17-2A84-4183-90EA-0288848BD652}" type="datetimeFigureOut">
               <a:rPr lang="uk-UA" smtClean="0"/>
-              <a:t>23.10.2017</a:t>
+              <a:t>26.10.2017</a:t>
             </a:fld>
             <a:endParaRPr lang="uk-UA"/>
           </a:p>
@@ -795,6 +798,734 @@
 </p:notes>
 </file>
 
+<file path=ppt/notesSlides/notesSlide10.xml><?xml version="1.0" encoding="utf-8"?>
+<p:notes xmlns:a="http://schemas.openxmlformats.org/drawingml/2006/main" xmlns:r="http://schemas.openxmlformats.org/officeDocument/2006/relationships" xmlns:p="http://schemas.openxmlformats.org/presentationml/2006/main">
+  <p:cSld>
+    <p:spTree>
+      <p:nvGrpSpPr>
+        <p:cNvPr id="1" name=""/>
+        <p:cNvGrpSpPr/>
+        <p:nvPr/>
+      </p:nvGrpSpPr>
+      <p:grpSpPr>
+        <a:xfrm>
+          <a:off x="0" y="0"/>
+          <a:ext cx="0" cy="0"/>
+          <a:chOff x="0" y="0"/>
+          <a:chExt cx="0" cy="0"/>
+        </a:xfrm>
+      </p:grpSpPr>
+      <p:sp>
+        <p:nvSpPr>
+          <p:cNvPr id="2" name="Образ слайда 1"/>
+          <p:cNvSpPr>
+            <a:spLocks noGrp="1" noRot="1" noChangeAspect="1"/>
+          </p:cNvSpPr>
+          <p:nvPr>
+            <p:ph type="sldImg"/>
+          </p:nvPr>
+        </p:nvSpPr>
+        <p:spPr/>
+      </p:sp>
+      <p:sp>
+        <p:nvSpPr>
+          <p:cNvPr id="3" name="Заметки 2"/>
+          <p:cNvSpPr>
+            <a:spLocks noGrp="1"/>
+          </p:cNvSpPr>
+          <p:nvPr>
+            <p:ph type="body" idx="1"/>
+          </p:nvPr>
+        </p:nvSpPr>
+        <p:spPr/>
+        <p:txBody>
+          <a:bodyPr/>
+          <a:lstStyle/>
+          <a:p>
+            <a:r>
+              <a:rPr lang="en-US" dirty="0" smtClean="0"/>
+              <a:t>Foreman, should give the builder instructions for building parts of the house in a certain</a:t>
+            </a:r>
+            <a:r>
+              <a:rPr lang="en-US" baseline="0" dirty="0" smtClean="0"/>
+              <a:t> </a:t>
+            </a:r>
+            <a:r>
+              <a:rPr lang="en-US" dirty="0" smtClean="0"/>
+              <a:t>sequence. For example:</a:t>
+            </a:r>
+          </a:p>
+          <a:p>
+            <a:r>
+              <a:rPr lang="en-US" dirty="0" smtClean="0"/>
+              <a:t>1. "Build a basement,</a:t>
+            </a:r>
+          </a:p>
+          <a:p>
+            <a:r>
+              <a:rPr lang="en-US" dirty="0" smtClean="0"/>
+              <a:t>2. "Build a </a:t>
+            </a:r>
+            <a:r>
+              <a:rPr lang="en-US" dirty="0" err="1" smtClean="0"/>
+              <a:t>storey</a:t>
+            </a:r>
+            <a:r>
+              <a:rPr lang="en-US" dirty="0" smtClean="0"/>
+              <a:t>",</a:t>
+            </a:r>
+          </a:p>
+          <a:p>
+            <a:r>
+              <a:rPr lang="en-US" dirty="0" smtClean="0"/>
+              <a:t>3. "Build a roof".</a:t>
+            </a:r>
+          </a:p>
+          <a:p>
+            <a:r>
+              <a:rPr lang="en-US" dirty="0" smtClean="0"/>
+              <a:t>The method of building a house determines the type of concrete builder. A bricklayer, who builds a house of brick will build a house in a different way, from a carpenter who will build a log house (wooden house) from logs. Thus, according to the project, the foreman must call the appropriate builder and give him the appropriate instructions in a certain order. First, build a basement, then a floor and, last but not least, a roof.</a:t>
+            </a:r>
+            <a:endParaRPr lang="uk-UA" dirty="0"/>
+          </a:p>
+        </p:txBody>
+      </p:sp>
+      <p:sp>
+        <p:nvSpPr>
+          <p:cNvPr id="4" name="Номер слайда 3"/>
+          <p:cNvSpPr>
+            <a:spLocks noGrp="1"/>
+          </p:cNvSpPr>
+          <p:nvPr>
+            <p:ph type="sldNum" sz="quarter" idx="10"/>
+          </p:nvPr>
+        </p:nvSpPr>
+        <p:spPr/>
+        <p:txBody>
+          <a:bodyPr/>
+          <a:lstStyle/>
+          <a:p>
+            <a:fld id="{CF680972-F2DF-4A43-88BD-D70CED0FD094}" type="slidenum">
+              <a:rPr lang="uk-UA" smtClean="0"/>
+              <a:t>12</a:t>
+            </a:fld>
+            <a:endParaRPr lang="uk-UA"/>
+          </a:p>
+        </p:txBody>
+      </p:sp>
+    </p:spTree>
+    <p:extLst>
+      <p:ext uri="{BB962C8B-B14F-4D97-AF65-F5344CB8AC3E}">
+        <p14:creationId xmlns:p14="http://schemas.microsoft.com/office/powerpoint/2010/main" val="141046898"/>
+      </p:ext>
+    </p:extLst>
+  </p:cSld>
+  <p:clrMapOvr>
+    <a:masterClrMapping/>
+  </p:clrMapOvr>
+</p:notes>
+</file>
+
+<file path=ppt/notesSlides/notesSlide11.xml><?xml version="1.0" encoding="utf-8"?>
+<p:notes xmlns:a="http://schemas.openxmlformats.org/drawingml/2006/main" xmlns:r="http://schemas.openxmlformats.org/officeDocument/2006/relationships" xmlns:p="http://schemas.openxmlformats.org/presentationml/2006/main">
+  <p:cSld>
+    <p:spTree>
+      <p:nvGrpSpPr>
+        <p:cNvPr id="1" name=""/>
+        <p:cNvGrpSpPr/>
+        <p:nvPr/>
+      </p:nvGrpSpPr>
+      <p:grpSpPr>
+        <a:xfrm>
+          <a:off x="0" y="0"/>
+          <a:ext cx="0" cy="0"/>
+          <a:chOff x="0" y="0"/>
+          <a:chExt cx="0" cy="0"/>
+        </a:xfrm>
+      </p:grpSpPr>
+      <p:sp>
+        <p:nvSpPr>
+          <p:cNvPr id="2" name="Образ слайда 1"/>
+          <p:cNvSpPr>
+            <a:spLocks noGrp="1" noRot="1" noChangeAspect="1"/>
+          </p:cNvSpPr>
+          <p:nvPr>
+            <p:ph type="sldImg"/>
+          </p:nvPr>
+        </p:nvSpPr>
+        <p:spPr/>
+      </p:sp>
+      <p:sp>
+        <p:nvSpPr>
+          <p:cNvPr id="3" name="Заметки 2"/>
+          <p:cNvSpPr>
+            <a:spLocks noGrp="1"/>
+          </p:cNvSpPr>
+          <p:nvPr>
+            <p:ph type="body" idx="1"/>
+          </p:nvPr>
+        </p:nvSpPr>
+        <p:spPr/>
+        <p:txBody>
+          <a:bodyPr/>
+          <a:lstStyle/>
+          <a:p>
+            <a:r>
+              <a:rPr lang="en-US" dirty="0" smtClean="0"/>
+              <a:t>The participants:</a:t>
+            </a:r>
+          </a:p>
+          <a:p>
+            <a:pPr marL="171450" indent="-171450">
+              <a:buFont typeface="Arial" panose="020B0604020202020204" pitchFamily="34" charset="0"/>
+              <a:buChar char="•"/>
+            </a:pPr>
+            <a:r>
+              <a:rPr lang="en-US" dirty="0" smtClean="0"/>
+              <a:t>Product - It is a class of a complex-constructed product object and contains a set of methods for assembling the final product result from parts. The product class can be linked by relationships of aggregation relations, with classes that describe the constituent parts of the created product.</a:t>
+            </a:r>
+          </a:p>
+          <a:p>
+            <a:pPr marL="171450" indent="-171450">
+              <a:buFont typeface="Arial" panose="020B0604020202020204" pitchFamily="34" charset="0"/>
+              <a:buChar char="•"/>
+            </a:pPr>
+            <a:r>
+              <a:rPr lang="en-US" dirty="0" smtClean="0"/>
+              <a:t>Builder - Abstract builder:</a:t>
+            </a:r>
+          </a:p>
+          <a:p>
+            <a:r>
+              <a:rPr lang="en-US" dirty="0" smtClean="0"/>
+              <a:t>Provides a set of abstract methods (interface) for creating a product object from parts and getting the finished result.</a:t>
+            </a:r>
+          </a:p>
+          <a:p>
+            <a:pPr marL="171450" indent="-171450">
+              <a:buFont typeface="Arial" panose="020B0604020202020204" pitchFamily="34" charset="0"/>
+              <a:buChar char="•"/>
+            </a:pPr>
+            <a:r>
+              <a:rPr lang="en-US" dirty="0" err="1" smtClean="0"/>
+              <a:t>ConcreteBuilder</a:t>
+            </a:r>
+            <a:r>
+              <a:rPr lang="en-US" dirty="0" smtClean="0"/>
+              <a:t> - Concrete builder:</a:t>
+            </a:r>
+          </a:p>
+          <a:p>
+            <a:r>
+              <a:rPr lang="en-US" dirty="0" smtClean="0"/>
+              <a:t>Constructs a product object by collecting it from parts, implementing the interface specified by the abstract builder (Builder). Provides access to the finished product (returns the product to the client or in a special case to the director).</a:t>
+            </a:r>
+          </a:p>
+          <a:p>
+            <a:pPr marL="171450" indent="-171450">
+              <a:buFont typeface="Arial" panose="020B0604020202020204" pitchFamily="34" charset="0"/>
+              <a:buChar char="•"/>
+            </a:pPr>
+            <a:r>
+              <a:rPr lang="en-US" dirty="0" smtClean="0"/>
+              <a:t>Director - Director (Manager):</a:t>
+            </a:r>
+            <a:r>
+              <a:rPr lang="en-US" baseline="0" dirty="0" smtClean="0"/>
+              <a:t> </a:t>
+            </a:r>
+          </a:p>
+          <a:p>
+            <a:pPr marL="0" indent="0">
+              <a:buFont typeface="Arial" panose="020B0604020202020204" pitchFamily="34" charset="0"/>
+              <a:buNone/>
+            </a:pPr>
+            <a:r>
+              <a:rPr lang="en-US" dirty="0" smtClean="0"/>
+              <a:t>Using the Builder interface, the director instructs the builder to build the product.</a:t>
+            </a:r>
+            <a:endParaRPr lang="uk-UA" dirty="0"/>
+          </a:p>
+        </p:txBody>
+      </p:sp>
+      <p:sp>
+        <p:nvSpPr>
+          <p:cNvPr id="4" name="Номер слайда 3"/>
+          <p:cNvSpPr>
+            <a:spLocks noGrp="1"/>
+          </p:cNvSpPr>
+          <p:nvPr>
+            <p:ph type="sldNum" sz="quarter" idx="10"/>
+          </p:nvPr>
+        </p:nvSpPr>
+        <p:spPr/>
+        <p:txBody>
+          <a:bodyPr/>
+          <a:lstStyle/>
+          <a:p>
+            <a:fld id="{CF680972-F2DF-4A43-88BD-D70CED0FD094}" type="slidenum">
+              <a:rPr lang="uk-UA" smtClean="0"/>
+              <a:t>14</a:t>
+            </a:fld>
+            <a:endParaRPr lang="uk-UA"/>
+          </a:p>
+        </p:txBody>
+      </p:sp>
+    </p:spTree>
+    <p:extLst>
+      <p:ext uri="{BB962C8B-B14F-4D97-AF65-F5344CB8AC3E}">
+        <p14:creationId xmlns:p14="http://schemas.microsoft.com/office/powerpoint/2010/main" val="2494367664"/>
+      </p:ext>
+    </p:extLst>
+  </p:cSld>
+  <p:clrMapOvr>
+    <a:masterClrMapping/>
+  </p:clrMapOvr>
+</p:notes>
+</file>
+
+<file path=ppt/notesSlides/notesSlide12.xml><?xml version="1.0" encoding="utf-8"?>
+<p:notes xmlns:a="http://schemas.openxmlformats.org/drawingml/2006/main" xmlns:r="http://schemas.openxmlformats.org/officeDocument/2006/relationships" xmlns:p="http://schemas.openxmlformats.org/presentationml/2006/main">
+  <p:cSld>
+    <p:spTree>
+      <p:nvGrpSpPr>
+        <p:cNvPr id="1" name=""/>
+        <p:cNvGrpSpPr/>
+        <p:nvPr/>
+      </p:nvGrpSpPr>
+      <p:grpSpPr>
+        <a:xfrm>
+          <a:off x="0" y="0"/>
+          <a:ext cx="0" cy="0"/>
+          <a:chOff x="0" y="0"/>
+          <a:chExt cx="0" cy="0"/>
+        </a:xfrm>
+      </p:grpSpPr>
+      <p:sp>
+        <p:nvSpPr>
+          <p:cNvPr id="2" name="Образ слайда 1"/>
+          <p:cNvSpPr>
+            <a:spLocks noGrp="1" noRot="1" noChangeAspect="1"/>
+          </p:cNvSpPr>
+          <p:nvPr>
+            <p:ph type="sldImg"/>
+          </p:nvPr>
+        </p:nvSpPr>
+        <p:spPr/>
+      </p:sp>
+      <p:sp>
+        <p:nvSpPr>
+          <p:cNvPr id="3" name="Заметки 2"/>
+          <p:cNvSpPr>
+            <a:spLocks noGrp="1"/>
+          </p:cNvSpPr>
+          <p:nvPr>
+            <p:ph type="body" idx="1"/>
+          </p:nvPr>
+        </p:nvSpPr>
+        <p:spPr/>
+        <p:txBody>
+          <a:bodyPr/>
+          <a:lstStyle/>
+          <a:p>
+            <a:r>
+              <a:rPr lang="en-US" b="1" dirty="0" smtClean="0"/>
+              <a:t>The Builder pattern is recommended when:</a:t>
+            </a:r>
+          </a:p>
+          <a:p>
+            <a:pPr marL="171450" indent="-171450">
+              <a:buFont typeface="Arial" panose="020B0604020202020204" pitchFamily="34" charset="0"/>
+              <a:buChar char="•"/>
+            </a:pPr>
+            <a:r>
+              <a:rPr lang="en-US" dirty="0" smtClean="0"/>
+              <a:t>The algorithm for step-by-step creation of a complex product object should not depend on the parts of the product object and how these parts fit together;</a:t>
+            </a:r>
+          </a:p>
+          <a:p>
+            <a:pPr marL="171450" indent="-171450">
+              <a:buFont typeface="Arial" panose="020B0604020202020204" pitchFamily="34" charset="0"/>
+              <a:buChar char="•"/>
+            </a:pPr>
+            <a:r>
+              <a:rPr lang="en-US" dirty="0" smtClean="0"/>
+              <a:t>The process of creating a product should provide the possibility of obtaining various variations of the created product.</a:t>
+            </a:r>
+          </a:p>
+          <a:p>
+            <a:pPr marL="0" marR="0" indent="0" algn="l" defTabSz="914400" rtl="0" eaLnBrk="1" fontAlgn="auto" latinLnBrk="0" hangingPunct="1">
+              <a:lnSpc>
+                <a:spcPct val="100000"/>
+              </a:lnSpc>
+              <a:spcBef>
+                <a:spcPts val="0"/>
+              </a:spcBef>
+              <a:spcAft>
+                <a:spcPts val="0"/>
+              </a:spcAft>
+              <a:buClrTx/>
+              <a:buSzTx/>
+              <a:buFont typeface="Arial" panose="020B0604020202020204" pitchFamily="34" charset="0"/>
+              <a:buNone/>
+              <a:tabLst/>
+              <a:defRPr/>
+            </a:pPr>
+            <a:r>
+              <a:rPr lang="en-US" b="1" dirty="0" smtClean="0"/>
+              <a:t>The Builder pattern has the following advantages:</a:t>
+            </a:r>
+          </a:p>
+          <a:p>
+            <a:pPr marL="171450" indent="-171450">
+              <a:buFont typeface="Arial" panose="020B0604020202020204" pitchFamily="34" charset="0"/>
+              <a:buChar char="•"/>
+            </a:pPr>
+            <a:r>
+              <a:rPr lang="en-US" i="1" dirty="0" smtClean="0"/>
+              <a:t>Allows you to change the composition of the product. </a:t>
+            </a:r>
+          </a:p>
+          <a:p>
+            <a:pPr marL="0" indent="0">
+              <a:buFont typeface="Arial" panose="020B0604020202020204" pitchFamily="34" charset="0"/>
+              <a:buNone/>
+            </a:pPr>
+            <a:r>
+              <a:rPr lang="en-US" dirty="0" smtClean="0"/>
+              <a:t>The abstract class Builder provides the director with a set of abstract methods (abstract interface) for managing the construction of the product. Behind the abstract interface, Builder hides the internal structure of the created product and the process of building it. Since the product is built according to the abstract interface, it is enough to create a new type of builder to change the structure of the product;</a:t>
+            </a:r>
+          </a:p>
+          <a:p>
+            <a:pPr marL="171450" indent="-171450">
+              <a:buFont typeface="Arial" panose="020B0604020202020204" pitchFamily="34" charset="0"/>
+              <a:buChar char="•"/>
+            </a:pPr>
+            <a:r>
+              <a:rPr lang="en-US" b="0" i="1" dirty="0" smtClean="0"/>
+              <a:t>Hides the code that implements the design and presentation.</a:t>
+            </a:r>
+          </a:p>
+          <a:p>
+            <a:pPr marL="0" indent="0">
+              <a:buFont typeface="Arial" panose="020B0604020202020204" pitchFamily="34" charset="0"/>
+              <a:buNone/>
+            </a:pPr>
+            <a:r>
+              <a:rPr lang="en-US" dirty="0" smtClean="0"/>
+              <a:t>The Builder pattern improves modularity by hiding the way that complex objects are constructed and presented. Clients do not know anything about the classes included in the internal structure of the product, the use of these classes is not available in the builder's interface.</a:t>
+            </a:r>
+            <a:r>
+              <a:rPr lang="en-US" baseline="0" dirty="0" smtClean="0"/>
+              <a:t> </a:t>
+            </a:r>
+            <a:r>
+              <a:rPr lang="en-US" dirty="0" err="1" smtClean="0"/>
+              <a:t>ConcreteBuilder's</a:t>
+            </a:r>
+            <a:r>
+              <a:rPr lang="en-US" dirty="0" smtClean="0"/>
+              <a:t> concrete builders contain the code needed to create and assemble a particular type of product. The code is written only once and different directors can reuse it to build different product variants from the same parts by combining these parts.</a:t>
+            </a:r>
+          </a:p>
+          <a:p>
+            <a:pPr marL="171450" indent="-171450">
+              <a:buFont typeface="Arial" panose="020B0604020202020204" pitchFamily="34" charset="0"/>
+              <a:buChar char="•"/>
+            </a:pPr>
+            <a:r>
+              <a:rPr lang="en-US" i="1" dirty="0" smtClean="0"/>
+              <a:t>Provides full control over the process of building the product.</a:t>
+            </a:r>
+          </a:p>
+          <a:p>
+            <a:pPr marL="0" indent="0">
+              <a:buFont typeface="Arial" panose="020B0604020202020204" pitchFamily="34" charset="0"/>
+              <a:buNone/>
+            </a:pPr>
+            <a:r>
+              <a:rPr lang="en-US" dirty="0" smtClean="0"/>
+              <a:t>Unlike other generative patterns, which immediately construct the entire object-product completely, the builder builds the product step by step under the direction of the director.</a:t>
+            </a:r>
+            <a:r>
+              <a:rPr lang="en-US" baseline="0" dirty="0" smtClean="0"/>
+              <a:t> </a:t>
+            </a:r>
+            <a:r>
+              <a:rPr lang="en-US" dirty="0" smtClean="0"/>
+              <a:t>And only when the construction of the product is completed, the director or client takes it from the builder. Therefore, the builder's interface reflects the process of step-by-step product design more than other generative patterns. This allows you to ensure complete control over the design process, and therefore, over the internal structure (combination of parts) of the finished product.</a:t>
+            </a:r>
+          </a:p>
+        </p:txBody>
+      </p:sp>
+      <p:sp>
+        <p:nvSpPr>
+          <p:cNvPr id="4" name="Номер слайда 3"/>
+          <p:cNvSpPr>
+            <a:spLocks noGrp="1"/>
+          </p:cNvSpPr>
+          <p:nvPr>
+            <p:ph type="sldNum" sz="quarter" idx="10"/>
+          </p:nvPr>
+        </p:nvSpPr>
+        <p:spPr/>
+        <p:txBody>
+          <a:bodyPr/>
+          <a:lstStyle/>
+          <a:p>
+            <a:fld id="{CF680972-F2DF-4A43-88BD-D70CED0FD094}" type="slidenum">
+              <a:rPr lang="uk-UA" smtClean="0"/>
+              <a:t>15</a:t>
+            </a:fld>
+            <a:endParaRPr lang="uk-UA"/>
+          </a:p>
+        </p:txBody>
+      </p:sp>
+    </p:spTree>
+    <p:extLst>
+      <p:ext uri="{BB962C8B-B14F-4D97-AF65-F5344CB8AC3E}">
+        <p14:creationId xmlns:p14="http://schemas.microsoft.com/office/powerpoint/2010/main" val="3129332618"/>
+      </p:ext>
+    </p:extLst>
+  </p:cSld>
+  <p:clrMapOvr>
+    <a:masterClrMapping/>
+  </p:clrMapOvr>
+</p:notes>
+</file>
+
+<file path=ppt/notesSlides/notesSlide13.xml><?xml version="1.0" encoding="utf-8"?>
+<p:notes xmlns:a="http://schemas.openxmlformats.org/drawingml/2006/main" xmlns:r="http://schemas.openxmlformats.org/officeDocument/2006/relationships" xmlns:p="http://schemas.openxmlformats.org/presentationml/2006/main">
+  <p:cSld>
+    <p:spTree>
+      <p:nvGrpSpPr>
+        <p:cNvPr id="1" name=""/>
+        <p:cNvGrpSpPr/>
+        <p:nvPr/>
+      </p:nvGrpSpPr>
+      <p:grpSpPr>
+        <a:xfrm>
+          <a:off x="0" y="0"/>
+          <a:ext cx="0" cy="0"/>
+          <a:chOff x="0" y="0"/>
+          <a:chExt cx="0" cy="0"/>
+        </a:xfrm>
+      </p:grpSpPr>
+      <p:sp>
+        <p:nvSpPr>
+          <p:cNvPr id="2" name="Образ слайда 1"/>
+          <p:cNvSpPr>
+            <a:spLocks noGrp="1" noRot="1" noChangeAspect="1"/>
+          </p:cNvSpPr>
+          <p:nvPr>
+            <p:ph type="sldImg"/>
+          </p:nvPr>
+        </p:nvSpPr>
+        <p:spPr/>
+      </p:sp>
+      <p:sp>
+        <p:nvSpPr>
+          <p:cNvPr id="3" name="Заметки 2"/>
+          <p:cNvSpPr>
+            <a:spLocks noGrp="1"/>
+          </p:cNvSpPr>
+          <p:nvPr>
+            <p:ph type="body" idx="1"/>
+          </p:nvPr>
+        </p:nvSpPr>
+        <p:spPr/>
+        <p:txBody>
+          <a:bodyPr/>
+          <a:lstStyle/>
+          <a:p>
+            <a:pPr marL="0" marR="0" indent="0" algn="l" defTabSz="914400" rtl="0" eaLnBrk="1" fontAlgn="auto" latinLnBrk="0" hangingPunct="1">
+              <a:lnSpc>
+                <a:spcPct val="100000"/>
+              </a:lnSpc>
+              <a:spcBef>
+                <a:spcPts val="0"/>
+              </a:spcBef>
+              <a:spcAft>
+                <a:spcPts val="0"/>
+              </a:spcAft>
+              <a:buClrTx/>
+              <a:buSzTx/>
+              <a:buFontTx/>
+              <a:buNone/>
+              <a:tabLst/>
+              <a:defRPr/>
+            </a:pPr>
+            <a:r>
+              <a:rPr lang="en-US" dirty="0" smtClean="0"/>
+              <a:t>The Factory Method pattern also known as Virtual Constructor.</a:t>
+            </a:r>
+          </a:p>
+          <a:p>
+            <a:pPr marL="0" marR="0" indent="0" algn="l" defTabSz="914400" rtl="0" eaLnBrk="1" fontAlgn="auto" latinLnBrk="0" hangingPunct="1">
+              <a:lnSpc>
+                <a:spcPct val="100000"/>
+              </a:lnSpc>
+              <a:spcBef>
+                <a:spcPts val="0"/>
+              </a:spcBef>
+              <a:spcAft>
+                <a:spcPts val="0"/>
+              </a:spcAft>
+              <a:buClrTx/>
+              <a:buSzTx/>
+              <a:buFontTx/>
+              <a:buNone/>
+              <a:tabLst/>
+              <a:defRPr/>
+            </a:pPr>
+            <a:endParaRPr lang="en-US" dirty="0" smtClean="0"/>
+          </a:p>
+          <a:p>
+            <a:pPr marL="0" marR="0" indent="0" algn="l" defTabSz="914400" rtl="0" eaLnBrk="1" fontAlgn="auto" latinLnBrk="0" hangingPunct="1">
+              <a:lnSpc>
+                <a:spcPct val="100000"/>
+              </a:lnSpc>
+              <a:spcBef>
+                <a:spcPts val="0"/>
+              </a:spcBef>
+              <a:spcAft>
+                <a:spcPts val="0"/>
+              </a:spcAft>
+              <a:buClrTx/>
+              <a:buSzTx/>
+              <a:buFontTx/>
+              <a:buNone/>
+              <a:tabLst/>
+              <a:defRPr/>
+            </a:pPr>
+            <a:r>
+              <a:rPr lang="en-US" dirty="0" smtClean="0"/>
+              <a:t>The Factory Method pattern provides an abstract interface (a set of methods) for creating a product object, but leaves the possibility for class developers implementing this interface to decide on their own which instance of a specific product class to create. The Factory Method pattern allows the underlying abstract classes to transfer responsibility for creating product objects to their derived classes.</a:t>
+            </a:r>
+            <a:endParaRPr lang="ru-RU" dirty="0" smtClean="0"/>
+          </a:p>
+        </p:txBody>
+      </p:sp>
+      <p:sp>
+        <p:nvSpPr>
+          <p:cNvPr id="4" name="Номер слайда 3"/>
+          <p:cNvSpPr>
+            <a:spLocks noGrp="1"/>
+          </p:cNvSpPr>
+          <p:nvPr>
+            <p:ph type="sldNum" sz="quarter" idx="10"/>
+          </p:nvPr>
+        </p:nvSpPr>
+        <p:spPr/>
+        <p:txBody>
+          <a:bodyPr/>
+          <a:lstStyle/>
+          <a:p>
+            <a:fld id="{CF680972-F2DF-4A43-88BD-D70CED0FD094}" type="slidenum">
+              <a:rPr lang="uk-UA" smtClean="0"/>
+              <a:t>16</a:t>
+            </a:fld>
+            <a:endParaRPr lang="uk-UA"/>
+          </a:p>
+        </p:txBody>
+      </p:sp>
+    </p:spTree>
+    <p:extLst>
+      <p:ext uri="{BB962C8B-B14F-4D97-AF65-F5344CB8AC3E}">
+        <p14:creationId xmlns:p14="http://schemas.microsoft.com/office/powerpoint/2010/main" val="3283691860"/>
+      </p:ext>
+    </p:extLst>
+  </p:cSld>
+  <p:clrMapOvr>
+    <a:masterClrMapping/>
+  </p:clrMapOvr>
+</p:notes>
+</file>
+
+<file path=ppt/notesSlides/notesSlide14.xml><?xml version="1.0" encoding="utf-8"?>
+<p:notes xmlns:a="http://schemas.openxmlformats.org/drawingml/2006/main" xmlns:r="http://schemas.openxmlformats.org/officeDocument/2006/relationships" xmlns:p="http://schemas.openxmlformats.org/presentationml/2006/main">
+  <p:cSld>
+    <p:spTree>
+      <p:nvGrpSpPr>
+        <p:cNvPr id="1" name=""/>
+        <p:cNvGrpSpPr/>
+        <p:nvPr/>
+      </p:nvGrpSpPr>
+      <p:grpSpPr>
+        <a:xfrm>
+          <a:off x="0" y="0"/>
+          <a:ext cx="0" cy="0"/>
+          <a:chOff x="0" y="0"/>
+          <a:chExt cx="0" cy="0"/>
+        </a:xfrm>
+      </p:grpSpPr>
+      <p:sp>
+        <p:nvSpPr>
+          <p:cNvPr id="2" name="Образ слайда 1"/>
+          <p:cNvSpPr>
+            <a:spLocks noGrp="1" noRot="1" noChangeAspect="1"/>
+          </p:cNvSpPr>
+          <p:nvPr>
+            <p:ph type="sldImg"/>
+          </p:nvPr>
+        </p:nvSpPr>
+        <p:spPr/>
+      </p:sp>
+      <p:sp>
+        <p:nvSpPr>
+          <p:cNvPr id="3" name="Заметки 2"/>
+          <p:cNvSpPr>
+            <a:spLocks noGrp="1"/>
+          </p:cNvSpPr>
+          <p:nvPr>
+            <p:ph type="body" idx="1"/>
+          </p:nvPr>
+        </p:nvSpPr>
+        <p:spPr/>
+        <p:txBody>
+          <a:bodyPr/>
+          <a:lstStyle/>
+          <a:p>
+            <a:endParaRPr lang="en-US" dirty="0" smtClean="0"/>
+          </a:p>
+        </p:txBody>
+      </p:sp>
+      <p:sp>
+        <p:nvSpPr>
+          <p:cNvPr id="4" name="Номер слайда 3"/>
+          <p:cNvSpPr>
+            <a:spLocks noGrp="1"/>
+          </p:cNvSpPr>
+          <p:nvPr>
+            <p:ph type="sldNum" sz="quarter" idx="10"/>
+          </p:nvPr>
+        </p:nvSpPr>
+        <p:spPr/>
+        <p:txBody>
+          <a:bodyPr/>
+          <a:lstStyle/>
+          <a:p>
+            <a:fld id="{CF680972-F2DF-4A43-88BD-D70CED0FD094}" type="slidenum">
+              <a:rPr lang="uk-UA" smtClean="0"/>
+              <a:t>17</a:t>
+            </a:fld>
+            <a:endParaRPr lang="uk-UA"/>
+          </a:p>
+        </p:txBody>
+      </p:sp>
+    </p:spTree>
+    <p:extLst>
+      <p:ext uri="{BB962C8B-B14F-4D97-AF65-F5344CB8AC3E}">
+        <p14:creationId xmlns:p14="http://schemas.microsoft.com/office/powerpoint/2010/main" val="2398897657"/>
+      </p:ext>
+    </p:extLst>
+  </p:cSld>
+  <p:clrMapOvr>
+    <a:masterClrMapping/>
+  </p:clrMapOvr>
+</p:notes>
+</file>
+
 <file path=ppt/notesSlides/notesSlide2.xml><?xml version="1.0" encoding="utf-8"?>
 <p:notes xmlns:a="http://schemas.openxmlformats.org/drawingml/2006/main" xmlns:r="http://schemas.openxmlformats.org/officeDocument/2006/relationships" xmlns:p="http://schemas.openxmlformats.org/presentationml/2006/main">
   <p:cSld>
@@ -1752,7 +2483,11 @@
             </a:pPr>
             <a:r>
               <a:rPr lang="en-US" dirty="0" smtClean="0"/>
-              <a:t>The Builder pattern helps to organize the step-by-step construction of a complex product object so that the client does not need to understand the sequence of steps and the internal structure of the product object being built, and as a result of the same design process, product objects with different representations (internal device) .</a:t>
+              <a:t>The Builder pattern helps to organize the step-by-step construction of a complex product object so that the client does not need to understand the sequence of steps and the internal structure of the product object being built, and as a result of the same design process, product objects with different representations (internal device</a:t>
+            </a:r>
+            <a:r>
+              <a:rPr lang="en-US" dirty="0" smtClean="0"/>
+              <a:t>).</a:t>
             </a:r>
             <a:endParaRPr lang="ru-RU" dirty="0" smtClean="0"/>
           </a:p>
@@ -1785,6 +2520,94 @@
     <p:extLst>
       <p:ext uri="{BB962C8B-B14F-4D97-AF65-F5344CB8AC3E}">
         <p14:creationId xmlns:p14="http://schemas.microsoft.com/office/powerpoint/2010/main" val="4289370207"/>
+      </p:ext>
+    </p:extLst>
+  </p:cSld>
+  <p:clrMapOvr>
+    <a:masterClrMapping/>
+  </p:clrMapOvr>
+</p:notes>
+</file>
+
+<file path=ppt/notesSlides/notesSlide9.xml><?xml version="1.0" encoding="utf-8"?>
+<p:notes xmlns:a="http://schemas.openxmlformats.org/drawingml/2006/main" xmlns:r="http://schemas.openxmlformats.org/officeDocument/2006/relationships" xmlns:p="http://schemas.openxmlformats.org/presentationml/2006/main">
+  <p:cSld>
+    <p:spTree>
+      <p:nvGrpSpPr>
+        <p:cNvPr id="1" name=""/>
+        <p:cNvGrpSpPr/>
+        <p:nvPr/>
+      </p:nvGrpSpPr>
+      <p:grpSpPr>
+        <a:xfrm>
+          <a:off x="0" y="0"/>
+          <a:ext cx="0" cy="0"/>
+          <a:chOff x="0" y="0"/>
+          <a:chExt cx="0" cy="0"/>
+        </a:xfrm>
+      </p:grpSpPr>
+      <p:sp>
+        <p:nvSpPr>
+          <p:cNvPr id="2" name="Образ слайда 1"/>
+          <p:cNvSpPr>
+            <a:spLocks noGrp="1" noRot="1" noChangeAspect="1"/>
+          </p:cNvSpPr>
+          <p:nvPr>
+            <p:ph type="sldImg"/>
+          </p:nvPr>
+        </p:nvSpPr>
+        <p:spPr/>
+      </p:sp>
+      <p:sp>
+        <p:nvSpPr>
+          <p:cNvPr id="3" name="Заметки 2"/>
+          <p:cNvSpPr>
+            <a:spLocks noGrp="1"/>
+          </p:cNvSpPr>
+          <p:nvPr>
+            <p:ph type="body" idx="1"/>
+          </p:nvPr>
+        </p:nvSpPr>
+        <p:spPr/>
+        <p:txBody>
+          <a:bodyPr/>
+          <a:lstStyle/>
+          <a:p>
+            <a:r>
+              <a:rPr lang="en-US" dirty="0" smtClean="0"/>
+              <a:t>Who is a builder in objective reality? A builder is a person who builds buildings and structures (bridges, dams, tunnels, etc.). The result of the construction is the erected building (structure). In order for the building to be built according to the rules and in accordance with the design standards, the builders should be managed. The position of the head on the construction site is called the construction superintendent (short for "works"). The foreman instructs the builder how and in what order to carry out construction work. The Builder pattern is built on a similar metaphor.</a:t>
+            </a:r>
+            <a:endParaRPr lang="uk-UA" dirty="0"/>
+          </a:p>
+        </p:txBody>
+      </p:sp>
+      <p:sp>
+        <p:nvSpPr>
+          <p:cNvPr id="4" name="Номер слайда 3"/>
+          <p:cNvSpPr>
+            <a:spLocks noGrp="1"/>
+          </p:cNvSpPr>
+          <p:nvPr>
+            <p:ph type="sldNum" sz="quarter" idx="10"/>
+          </p:nvPr>
+        </p:nvSpPr>
+        <p:spPr/>
+        <p:txBody>
+          <a:bodyPr/>
+          <a:lstStyle/>
+          <a:p>
+            <a:fld id="{CF680972-F2DF-4A43-88BD-D70CED0FD094}" type="slidenum">
+              <a:rPr lang="uk-UA" smtClean="0"/>
+              <a:t>11</a:t>
+            </a:fld>
+            <a:endParaRPr lang="uk-UA"/>
+          </a:p>
+        </p:txBody>
+      </p:sp>
+    </p:spTree>
+    <p:extLst>
+      <p:ext uri="{BB962C8B-B14F-4D97-AF65-F5344CB8AC3E}">
+        <p14:creationId xmlns:p14="http://schemas.microsoft.com/office/powerpoint/2010/main" val="328703664"/>
       </p:ext>
     </p:extLst>
   </p:cSld>
@@ -2038,214 +2861,6 @@
 
 <file path=ppt/slideLayouts/slideLayout10.xml><?xml version="1.0" encoding="utf-8"?>
 <p:sldLayout xmlns:a="http://schemas.openxmlformats.org/drawingml/2006/main" xmlns:r="http://schemas.openxmlformats.org/officeDocument/2006/relationships" xmlns:p="http://schemas.openxmlformats.org/presentationml/2006/main" preserve="1" userDrawn="1">
-  <p:cSld name="Text and image ">
-    <p:spTree>
-      <p:nvGrpSpPr>
-        <p:cNvPr id="1" name=""/>
-        <p:cNvGrpSpPr/>
-        <p:nvPr/>
-      </p:nvGrpSpPr>
-      <p:grpSpPr>
-        <a:xfrm>
-          <a:off x="0" y="0"/>
-          <a:ext cx="0" cy="0"/>
-          <a:chOff x="0" y="0"/>
-          <a:chExt cx="0" cy="0"/>
-        </a:xfrm>
-      </p:grpSpPr>
-      <p:sp>
-        <p:nvSpPr>
-          <p:cNvPr id="4" name="Текст 3"/>
-          <p:cNvSpPr>
-            <a:spLocks noGrp="1"/>
-          </p:cNvSpPr>
-          <p:nvPr>
-            <p:ph type="body" sz="half" idx="2" hasCustomPrompt="1"/>
-          </p:nvPr>
-        </p:nvSpPr>
-        <p:spPr>
-          <a:xfrm>
-            <a:off x="272144" y="1233488"/>
-            <a:ext cx="3685630" cy="4535487"/>
-          </a:xfrm>
-        </p:spPr>
-        <p:txBody>
-          <a:bodyPr>
-            <a:normAutofit/>
-          </a:bodyPr>
-          <a:lstStyle>
-            <a:lvl1pPr marL="0" indent="0">
-              <a:buNone/>
-              <a:defRPr sz="2200"/>
-            </a:lvl1pPr>
-            <a:lvl2pPr marL="457155" indent="0">
-              <a:buNone/>
-              <a:defRPr sz="1400"/>
-            </a:lvl2pPr>
-            <a:lvl3pPr marL="914309" indent="0">
-              <a:buNone/>
-              <a:defRPr sz="1200"/>
-            </a:lvl3pPr>
-            <a:lvl4pPr marL="1371464" indent="0">
-              <a:buNone/>
-              <a:defRPr sz="1000"/>
-            </a:lvl4pPr>
-            <a:lvl5pPr marL="1828618" indent="0">
-              <a:buNone/>
-              <a:defRPr sz="1000"/>
-            </a:lvl5pPr>
-            <a:lvl6pPr marL="2285774" indent="0">
-              <a:buNone/>
-              <a:defRPr sz="1000"/>
-            </a:lvl6pPr>
-            <a:lvl7pPr marL="2742926" indent="0">
-              <a:buNone/>
-              <a:defRPr sz="1000"/>
-            </a:lvl7pPr>
-            <a:lvl8pPr marL="3200080" indent="0">
-              <a:buNone/>
-              <a:defRPr sz="1000"/>
-            </a:lvl8pPr>
-            <a:lvl9pPr marL="3657235" indent="0">
-              <a:buNone/>
-              <a:defRPr sz="1000"/>
-            </a:lvl9pPr>
-          </a:lstStyle>
-          <a:p>
-            <a:pPr lvl="0"/>
-            <a:r>
-              <a:rPr lang="en-US" dirty="0" smtClean="0"/>
-              <a:t>Click to add text</a:t>
-            </a:r>
-            <a:endParaRPr lang="ru-RU" dirty="0" smtClean="0"/>
-          </a:p>
-        </p:txBody>
-      </p:sp>
-      <p:sp>
-        <p:nvSpPr>
-          <p:cNvPr id="6" name="Подзаголовок 2"/>
-          <p:cNvSpPr>
-            <a:spLocks noGrp="1"/>
-          </p:cNvSpPr>
-          <p:nvPr>
-            <p:ph type="subTitle" idx="1" hasCustomPrompt="1"/>
-          </p:nvPr>
-        </p:nvSpPr>
-        <p:spPr>
-          <a:xfrm>
-            <a:off x="272144" y="391038"/>
-            <a:ext cx="3978124" cy="454573"/>
-          </a:xfrm>
-        </p:spPr>
-        <p:txBody>
-          <a:bodyPr>
-            <a:noAutofit/>
-          </a:bodyPr>
-          <a:lstStyle>
-            <a:lvl1pPr marL="0" indent="0" algn="l">
-              <a:buNone/>
-              <a:defRPr sz="3000">
-                <a:solidFill>
-                  <a:schemeClr val="accent1"/>
-                </a:solidFill>
-              </a:defRPr>
-            </a:lvl1pPr>
-            <a:lvl2pPr marL="457155" indent="0" algn="ctr">
-              <a:buNone/>
-              <a:defRPr sz="2000"/>
-            </a:lvl2pPr>
-            <a:lvl3pPr marL="914309" indent="0" algn="ctr">
-              <a:buNone/>
-              <a:defRPr sz="1800"/>
-            </a:lvl3pPr>
-            <a:lvl4pPr marL="1371464" indent="0" algn="ctr">
-              <a:buNone/>
-              <a:defRPr sz="1600"/>
-            </a:lvl4pPr>
-            <a:lvl5pPr marL="1828618" indent="0" algn="ctr">
-              <a:buNone/>
-              <a:defRPr sz="1600"/>
-            </a:lvl5pPr>
-            <a:lvl6pPr marL="2285774" indent="0" algn="ctr">
-              <a:buNone/>
-              <a:defRPr sz="1600"/>
-            </a:lvl6pPr>
-            <a:lvl7pPr marL="2742926" indent="0" algn="ctr">
-              <a:buNone/>
-              <a:defRPr sz="1600"/>
-            </a:lvl7pPr>
-            <a:lvl8pPr marL="3200080" indent="0" algn="ctr">
-              <a:buNone/>
-              <a:defRPr sz="1600"/>
-            </a:lvl8pPr>
-            <a:lvl9pPr marL="3657235" indent="0" algn="ctr">
-              <a:buNone/>
-              <a:defRPr sz="1600"/>
-            </a:lvl9pPr>
-          </a:lstStyle>
-          <a:p>
-            <a:r>
-              <a:rPr lang="en-US" dirty="0" smtClean="0"/>
-              <a:t>Click to add title 3</a:t>
-            </a:r>
-            <a:r>
-              <a:rPr lang="uk-UA" dirty="0" smtClean="0"/>
-              <a:t>0</a:t>
-            </a:r>
-            <a:r>
-              <a:rPr lang="en-US" dirty="0" err="1" smtClean="0"/>
-              <a:t>pt</a:t>
-            </a:r>
-            <a:endParaRPr lang="uk-UA" dirty="0"/>
-          </a:p>
-        </p:txBody>
-      </p:sp>
-      <p:sp>
-        <p:nvSpPr>
-          <p:cNvPr id="7" name="Рисунок 6"/>
-          <p:cNvSpPr>
-            <a:spLocks noGrp="1"/>
-          </p:cNvSpPr>
-          <p:nvPr>
-            <p:ph type="pic" sz="quarter" idx="10"/>
-          </p:nvPr>
-        </p:nvSpPr>
-        <p:spPr>
-          <a:xfrm>
-            <a:off x="4588934" y="0"/>
-            <a:ext cx="4555066" cy="6858000"/>
-          </a:xfrm>
-        </p:spPr>
-        <p:txBody>
-          <a:bodyPr/>
-          <a:lstStyle/>
-          <a:p>
-            <a:endParaRPr lang="uk-UA"/>
-          </a:p>
-        </p:txBody>
-      </p:sp>
-    </p:spTree>
-    <p:extLst>
-      <p:ext uri="{BB962C8B-B14F-4D97-AF65-F5344CB8AC3E}">
-        <p14:creationId xmlns:p14="http://schemas.microsoft.com/office/powerpoint/2010/main" val="1504527078"/>
-      </p:ext>
-    </p:extLst>
-  </p:cSld>
-  <p:clrMapOvr>
-    <a:masterClrMapping/>
-  </p:clrMapOvr>
-  <p:timing>
-    <p:tnLst>
-      <p:par>
-        <p:cTn id="1" dur="indefinite" restart="never" nodeType="tmRoot"/>
-      </p:par>
-    </p:tnLst>
-  </p:timing>
-</p:sldLayout>
-</file>
-
-<file path=ppt/slideLayouts/slideLayout11.xml><?xml version="1.0" encoding="utf-8"?>
-<p:sldLayout xmlns:a="http://schemas.openxmlformats.org/drawingml/2006/main" xmlns:r="http://schemas.openxmlformats.org/officeDocument/2006/relationships" xmlns:p="http://schemas.openxmlformats.org/presentationml/2006/main" preserve="1" userDrawn="1">
   <p:cSld name="Text and diagram ">
     <p:spTree>
       <p:nvGrpSpPr>
@@ -2452,7 +3067,7 @@
 </p:sldLayout>
 </file>
 
-<file path=ppt/slideLayouts/slideLayout12.xml><?xml version="1.0" encoding="utf-8"?>
+<file path=ppt/slideLayouts/slideLayout11.xml><?xml version="1.0" encoding="utf-8"?>
 <p:sldLayout xmlns:a="http://schemas.openxmlformats.org/drawingml/2006/main" xmlns:r="http://schemas.openxmlformats.org/officeDocument/2006/relationships" xmlns:p="http://schemas.openxmlformats.org/presentationml/2006/main" preserve="1" userDrawn="1">
   <p:cSld name="Сhapter Slide">
     <p:spTree>
@@ -3163,214 +3778,6 @@
 
 <file path=ppt/slideLayouts/slideLayout5.xml><?xml version="1.0" encoding="utf-8"?>
 <p:sldLayout xmlns:a="http://schemas.openxmlformats.org/drawingml/2006/main" xmlns:r="http://schemas.openxmlformats.org/officeDocument/2006/relationships" xmlns:p="http://schemas.openxmlformats.org/presentationml/2006/main" userDrawn="1">
-  <p:cSld name="Text and diagram ">
-    <p:spTree>
-      <p:nvGrpSpPr>
-        <p:cNvPr id="1" name=""/>
-        <p:cNvGrpSpPr/>
-        <p:nvPr/>
-      </p:nvGrpSpPr>
-      <p:grpSpPr>
-        <a:xfrm>
-          <a:off x="0" y="0"/>
-          <a:ext cx="0" cy="0"/>
-          <a:chOff x="0" y="0"/>
-          <a:chExt cx="0" cy="0"/>
-        </a:xfrm>
-      </p:grpSpPr>
-      <p:sp>
-        <p:nvSpPr>
-          <p:cNvPr id="4" name="Текст 3"/>
-          <p:cNvSpPr>
-            <a:spLocks noGrp="1"/>
-          </p:cNvSpPr>
-          <p:nvPr>
-            <p:ph type="body" sz="half" idx="2" hasCustomPrompt="1"/>
-          </p:nvPr>
-        </p:nvSpPr>
-        <p:spPr>
-          <a:xfrm>
-            <a:off x="272143" y="1648733"/>
-            <a:ext cx="4191511" cy="4924321"/>
-          </a:xfrm>
-        </p:spPr>
-        <p:txBody>
-          <a:bodyPr>
-            <a:normAutofit/>
-          </a:bodyPr>
-          <a:lstStyle>
-            <a:lvl1pPr marL="0" indent="0">
-              <a:buNone/>
-              <a:defRPr sz="2200"/>
-            </a:lvl1pPr>
-            <a:lvl2pPr marL="457155" indent="0">
-              <a:buNone/>
-              <a:defRPr sz="1400"/>
-            </a:lvl2pPr>
-            <a:lvl3pPr marL="914309" indent="0">
-              <a:buNone/>
-              <a:defRPr sz="1200"/>
-            </a:lvl3pPr>
-            <a:lvl4pPr marL="1371464" indent="0">
-              <a:buNone/>
-              <a:defRPr sz="1000"/>
-            </a:lvl4pPr>
-            <a:lvl5pPr marL="1828618" indent="0">
-              <a:buNone/>
-              <a:defRPr sz="1000"/>
-            </a:lvl5pPr>
-            <a:lvl6pPr marL="2285774" indent="0">
-              <a:buNone/>
-              <a:defRPr sz="1000"/>
-            </a:lvl6pPr>
-            <a:lvl7pPr marL="2742926" indent="0">
-              <a:buNone/>
-              <a:defRPr sz="1000"/>
-            </a:lvl7pPr>
-            <a:lvl8pPr marL="3200080" indent="0">
-              <a:buNone/>
-              <a:defRPr sz="1000"/>
-            </a:lvl8pPr>
-            <a:lvl9pPr marL="3657235" indent="0">
-              <a:buNone/>
-              <a:defRPr sz="1000"/>
-            </a:lvl9pPr>
-          </a:lstStyle>
-          <a:p>
-            <a:pPr lvl="0"/>
-            <a:r>
-              <a:rPr lang="en-US" dirty="0" smtClean="0"/>
-              <a:t>Click to add text</a:t>
-            </a:r>
-            <a:endParaRPr lang="ru-RU" dirty="0" smtClean="0"/>
-          </a:p>
-        </p:txBody>
-      </p:sp>
-      <p:sp>
-        <p:nvSpPr>
-          <p:cNvPr id="7" name="Диаграмма 6"/>
-          <p:cNvSpPr>
-            <a:spLocks noGrp="1"/>
-          </p:cNvSpPr>
-          <p:nvPr>
-            <p:ph type="chart" sz="quarter" idx="10"/>
-          </p:nvPr>
-        </p:nvSpPr>
-        <p:spPr>
-          <a:xfrm>
-            <a:off x="4680349" y="1648733"/>
-            <a:ext cx="4266014" cy="4930775"/>
-          </a:xfrm>
-        </p:spPr>
-        <p:txBody>
-          <a:bodyPr/>
-          <a:lstStyle/>
-          <a:p>
-            <a:endParaRPr lang="uk-UA"/>
-          </a:p>
-        </p:txBody>
-      </p:sp>
-      <p:sp>
-        <p:nvSpPr>
-          <p:cNvPr id="6" name="Подзаголовок 2"/>
-          <p:cNvSpPr>
-            <a:spLocks noGrp="1"/>
-          </p:cNvSpPr>
-          <p:nvPr>
-            <p:ph type="subTitle" idx="1" hasCustomPrompt="1"/>
-          </p:nvPr>
-        </p:nvSpPr>
-        <p:spPr>
-          <a:xfrm>
-            <a:off x="272144" y="908050"/>
-            <a:ext cx="7375154" cy="454573"/>
-          </a:xfrm>
-        </p:spPr>
-        <p:txBody>
-          <a:bodyPr>
-            <a:noAutofit/>
-          </a:bodyPr>
-          <a:lstStyle>
-            <a:lvl1pPr marL="0" indent="0" algn="l">
-              <a:buNone/>
-              <a:defRPr sz="3000">
-                <a:solidFill>
-                  <a:schemeClr val="accent1"/>
-                </a:solidFill>
-              </a:defRPr>
-            </a:lvl1pPr>
-            <a:lvl2pPr marL="457155" indent="0" algn="ctr">
-              <a:buNone/>
-              <a:defRPr sz="2000"/>
-            </a:lvl2pPr>
-            <a:lvl3pPr marL="914309" indent="0" algn="ctr">
-              <a:buNone/>
-              <a:defRPr sz="1800"/>
-            </a:lvl3pPr>
-            <a:lvl4pPr marL="1371464" indent="0" algn="ctr">
-              <a:buNone/>
-              <a:defRPr sz="1600"/>
-            </a:lvl4pPr>
-            <a:lvl5pPr marL="1828618" indent="0" algn="ctr">
-              <a:buNone/>
-              <a:defRPr sz="1600"/>
-            </a:lvl5pPr>
-            <a:lvl6pPr marL="2285774" indent="0" algn="ctr">
-              <a:buNone/>
-              <a:defRPr sz="1600"/>
-            </a:lvl6pPr>
-            <a:lvl7pPr marL="2742926" indent="0" algn="ctr">
-              <a:buNone/>
-              <a:defRPr sz="1600"/>
-            </a:lvl7pPr>
-            <a:lvl8pPr marL="3200080" indent="0" algn="ctr">
-              <a:buNone/>
-              <a:defRPr sz="1600"/>
-            </a:lvl8pPr>
-            <a:lvl9pPr marL="3657235" indent="0" algn="ctr">
-              <a:buNone/>
-              <a:defRPr sz="1600"/>
-            </a:lvl9pPr>
-          </a:lstStyle>
-          <a:p>
-            <a:r>
-              <a:rPr lang="en-US" dirty="0" smtClean="0"/>
-              <a:t>Click to add title 3</a:t>
-            </a:r>
-            <a:r>
-              <a:rPr lang="uk-UA" dirty="0" smtClean="0"/>
-              <a:t>0</a:t>
-            </a:r>
-            <a:r>
-              <a:rPr lang="en-US" dirty="0" err="1" smtClean="0"/>
-              <a:t>pt</a:t>
-            </a:r>
-            <a:endParaRPr lang="uk-UA" dirty="0"/>
-          </a:p>
-        </p:txBody>
-      </p:sp>
-    </p:spTree>
-    <p:extLst>
-      <p:ext uri="{BB962C8B-B14F-4D97-AF65-F5344CB8AC3E}">
-        <p14:creationId xmlns:p14="http://schemas.microsoft.com/office/powerpoint/2010/main" val="72507179"/>
-      </p:ext>
-    </p:extLst>
-  </p:cSld>
-  <p:clrMapOvr>
-    <a:masterClrMapping/>
-  </p:clrMapOvr>
-  <p:timing>
-    <p:tnLst>
-      <p:par>
-        <p:cTn id="1" dur="indefinite" restart="never" nodeType="tmRoot"/>
-      </p:par>
-    </p:tnLst>
-  </p:timing>
-</p:sldLayout>
-</file>
-
-<file path=ppt/slideLayouts/slideLayout6.xml><?xml version="1.0" encoding="utf-8"?>
-<p:sldLayout xmlns:a="http://schemas.openxmlformats.org/drawingml/2006/main" xmlns:r="http://schemas.openxmlformats.org/officeDocument/2006/relationships" xmlns:p="http://schemas.openxmlformats.org/presentationml/2006/main" userDrawn="1">
   <p:cSld name="last slide contacts 01">
     <p:bg>
       <p:bgRef idx="1001">
@@ -4416,7 +4823,7 @@
 </p:sldLayout>
 </file>
 
-<file path=ppt/slideLayouts/slideLayout7.xml><?xml version="1.0" encoding="utf-8"?>
+<file path=ppt/slideLayouts/slideLayout6.xml><?xml version="1.0" encoding="utf-8"?>
 <p:sldLayout xmlns:a="http://schemas.openxmlformats.org/drawingml/2006/main" xmlns:r="http://schemas.openxmlformats.org/officeDocument/2006/relationships" xmlns:p="http://schemas.openxmlformats.org/presentationml/2006/main" preserve="1" userDrawn="1">
   <p:cSld name="Text Slide">
     <p:spTree>
@@ -4553,7 +4960,7 @@
 </p:sldLayout>
 </file>
 
-<file path=ppt/slideLayouts/slideLayout8.xml><?xml version="1.0" encoding="utf-8"?>
+<file path=ppt/slideLayouts/slideLayout7.xml><?xml version="1.0" encoding="utf-8"?>
 <p:sldLayout xmlns:a="http://schemas.openxmlformats.org/drawingml/2006/main" xmlns:r="http://schemas.openxmlformats.org/officeDocument/2006/relationships" xmlns:p="http://schemas.openxmlformats.org/presentationml/2006/main" preserve="1" userDrawn="1">
   <p:cSld name="List Slide">
     <p:spTree>
@@ -4714,7 +5121,7 @@
 </p:sldLayout>
 </file>
 
-<file path=ppt/slideLayouts/slideLayout9.xml><?xml version="1.0" encoding="utf-8"?>
+<file path=ppt/slideLayouts/slideLayout8.xml><?xml version="1.0" encoding="utf-8"?>
 <p:sldLayout xmlns:a="http://schemas.openxmlformats.org/drawingml/2006/main" xmlns:r="http://schemas.openxmlformats.org/officeDocument/2006/relationships" xmlns:p="http://schemas.openxmlformats.org/presentationml/2006/main" preserve="1" userDrawn="1">
   <p:cSld name="Table Slide">
     <p:spTree>
@@ -4793,6 +5200,214 @@
     <p:extLst>
       <p:ext uri="{BB962C8B-B14F-4D97-AF65-F5344CB8AC3E}">
         <p14:creationId xmlns:p14="http://schemas.microsoft.com/office/powerpoint/2010/main" val="2999086630"/>
+      </p:ext>
+    </p:extLst>
+  </p:cSld>
+  <p:clrMapOvr>
+    <a:masterClrMapping/>
+  </p:clrMapOvr>
+  <p:timing>
+    <p:tnLst>
+      <p:par>
+        <p:cTn id="1" dur="indefinite" restart="never" nodeType="tmRoot"/>
+      </p:par>
+    </p:tnLst>
+  </p:timing>
+</p:sldLayout>
+</file>
+
+<file path=ppt/slideLayouts/slideLayout9.xml><?xml version="1.0" encoding="utf-8"?>
+<p:sldLayout xmlns:a="http://schemas.openxmlformats.org/drawingml/2006/main" xmlns:r="http://schemas.openxmlformats.org/officeDocument/2006/relationships" xmlns:p="http://schemas.openxmlformats.org/presentationml/2006/main" preserve="1" userDrawn="1">
+  <p:cSld name="Text and image ">
+    <p:spTree>
+      <p:nvGrpSpPr>
+        <p:cNvPr id="1" name=""/>
+        <p:cNvGrpSpPr/>
+        <p:nvPr/>
+      </p:nvGrpSpPr>
+      <p:grpSpPr>
+        <a:xfrm>
+          <a:off x="0" y="0"/>
+          <a:ext cx="0" cy="0"/>
+          <a:chOff x="0" y="0"/>
+          <a:chExt cx="0" cy="0"/>
+        </a:xfrm>
+      </p:grpSpPr>
+      <p:sp>
+        <p:nvSpPr>
+          <p:cNvPr id="4" name="Текст 3"/>
+          <p:cNvSpPr>
+            <a:spLocks noGrp="1"/>
+          </p:cNvSpPr>
+          <p:nvPr>
+            <p:ph type="body" sz="half" idx="2" hasCustomPrompt="1"/>
+          </p:nvPr>
+        </p:nvSpPr>
+        <p:spPr>
+          <a:xfrm>
+            <a:off x="272144" y="1233488"/>
+            <a:ext cx="3685630" cy="4535487"/>
+          </a:xfrm>
+        </p:spPr>
+        <p:txBody>
+          <a:bodyPr>
+            <a:normAutofit/>
+          </a:bodyPr>
+          <a:lstStyle>
+            <a:lvl1pPr marL="0" indent="0">
+              <a:buNone/>
+              <a:defRPr sz="2200"/>
+            </a:lvl1pPr>
+            <a:lvl2pPr marL="457155" indent="0">
+              <a:buNone/>
+              <a:defRPr sz="1400"/>
+            </a:lvl2pPr>
+            <a:lvl3pPr marL="914309" indent="0">
+              <a:buNone/>
+              <a:defRPr sz="1200"/>
+            </a:lvl3pPr>
+            <a:lvl4pPr marL="1371464" indent="0">
+              <a:buNone/>
+              <a:defRPr sz="1000"/>
+            </a:lvl4pPr>
+            <a:lvl5pPr marL="1828618" indent="0">
+              <a:buNone/>
+              <a:defRPr sz="1000"/>
+            </a:lvl5pPr>
+            <a:lvl6pPr marL="2285774" indent="0">
+              <a:buNone/>
+              <a:defRPr sz="1000"/>
+            </a:lvl6pPr>
+            <a:lvl7pPr marL="2742926" indent="0">
+              <a:buNone/>
+              <a:defRPr sz="1000"/>
+            </a:lvl7pPr>
+            <a:lvl8pPr marL="3200080" indent="0">
+              <a:buNone/>
+              <a:defRPr sz="1000"/>
+            </a:lvl8pPr>
+            <a:lvl9pPr marL="3657235" indent="0">
+              <a:buNone/>
+              <a:defRPr sz="1000"/>
+            </a:lvl9pPr>
+          </a:lstStyle>
+          <a:p>
+            <a:pPr lvl="0"/>
+            <a:r>
+              <a:rPr lang="en-US" dirty="0" smtClean="0"/>
+              <a:t>Click to add text</a:t>
+            </a:r>
+            <a:endParaRPr lang="ru-RU" dirty="0" smtClean="0"/>
+          </a:p>
+        </p:txBody>
+      </p:sp>
+      <p:sp>
+        <p:nvSpPr>
+          <p:cNvPr id="6" name="Подзаголовок 2"/>
+          <p:cNvSpPr>
+            <a:spLocks noGrp="1"/>
+          </p:cNvSpPr>
+          <p:nvPr>
+            <p:ph type="subTitle" idx="1" hasCustomPrompt="1"/>
+          </p:nvPr>
+        </p:nvSpPr>
+        <p:spPr>
+          <a:xfrm>
+            <a:off x="272144" y="391038"/>
+            <a:ext cx="3978124" cy="454573"/>
+          </a:xfrm>
+        </p:spPr>
+        <p:txBody>
+          <a:bodyPr>
+            <a:noAutofit/>
+          </a:bodyPr>
+          <a:lstStyle>
+            <a:lvl1pPr marL="0" indent="0" algn="l">
+              <a:buNone/>
+              <a:defRPr sz="3000">
+                <a:solidFill>
+                  <a:schemeClr val="accent1"/>
+                </a:solidFill>
+              </a:defRPr>
+            </a:lvl1pPr>
+            <a:lvl2pPr marL="457155" indent="0" algn="ctr">
+              <a:buNone/>
+              <a:defRPr sz="2000"/>
+            </a:lvl2pPr>
+            <a:lvl3pPr marL="914309" indent="0" algn="ctr">
+              <a:buNone/>
+              <a:defRPr sz="1800"/>
+            </a:lvl3pPr>
+            <a:lvl4pPr marL="1371464" indent="0" algn="ctr">
+              <a:buNone/>
+              <a:defRPr sz="1600"/>
+            </a:lvl4pPr>
+            <a:lvl5pPr marL="1828618" indent="0" algn="ctr">
+              <a:buNone/>
+              <a:defRPr sz="1600"/>
+            </a:lvl5pPr>
+            <a:lvl6pPr marL="2285774" indent="0" algn="ctr">
+              <a:buNone/>
+              <a:defRPr sz="1600"/>
+            </a:lvl6pPr>
+            <a:lvl7pPr marL="2742926" indent="0" algn="ctr">
+              <a:buNone/>
+              <a:defRPr sz="1600"/>
+            </a:lvl7pPr>
+            <a:lvl8pPr marL="3200080" indent="0" algn="ctr">
+              <a:buNone/>
+              <a:defRPr sz="1600"/>
+            </a:lvl8pPr>
+            <a:lvl9pPr marL="3657235" indent="0" algn="ctr">
+              <a:buNone/>
+              <a:defRPr sz="1600"/>
+            </a:lvl9pPr>
+          </a:lstStyle>
+          <a:p>
+            <a:r>
+              <a:rPr lang="en-US" dirty="0" smtClean="0"/>
+              <a:t>Click to add title 3</a:t>
+            </a:r>
+            <a:r>
+              <a:rPr lang="uk-UA" dirty="0" smtClean="0"/>
+              <a:t>0</a:t>
+            </a:r>
+            <a:r>
+              <a:rPr lang="en-US" dirty="0" err="1" smtClean="0"/>
+              <a:t>pt</a:t>
+            </a:r>
+            <a:endParaRPr lang="uk-UA" dirty="0"/>
+          </a:p>
+        </p:txBody>
+      </p:sp>
+      <p:sp>
+        <p:nvSpPr>
+          <p:cNvPr id="7" name="Рисунок 6"/>
+          <p:cNvSpPr>
+            <a:spLocks noGrp="1"/>
+          </p:cNvSpPr>
+          <p:nvPr>
+            <p:ph type="pic" sz="quarter" idx="10"/>
+          </p:nvPr>
+        </p:nvSpPr>
+        <p:spPr>
+          <a:xfrm>
+            <a:off x="4588934" y="0"/>
+            <a:ext cx="4555066" cy="6858000"/>
+          </a:xfrm>
+        </p:spPr>
+        <p:txBody>
+          <a:bodyPr/>
+          <a:lstStyle/>
+          <a:p>
+            <a:endParaRPr lang="uk-UA"/>
+          </a:p>
+        </p:txBody>
+      </p:sp>
+    </p:spTree>
+    <p:extLst>
+      <p:ext uri="{BB962C8B-B14F-4D97-AF65-F5344CB8AC3E}">
+        <p14:creationId xmlns:p14="http://schemas.microsoft.com/office/powerpoint/2010/main" val="1504527078"/>
       </p:ext>
     </p:extLst>
   </p:cSld>
@@ -4939,7 +5554,7 @@
           <p:nvPr userDrawn="1"/>
         </p:nvPicPr>
         <p:blipFill>
-          <a:blip r:embed="rId8"/>
+          <a:blip r:embed="rId7"/>
           <a:stretch>
             <a:fillRect/>
           </a:stretch>
@@ -4963,7 +5578,7 @@
           <p:nvPr userDrawn="1"/>
         </p:nvPicPr>
         <p:blipFill>
-          <a:blip r:embed="rId9"/>
+          <a:blip r:embed="rId8"/>
           <a:stretch>
             <a:fillRect/>
           </a:stretch>
@@ -4991,8 +5606,7 @@
     <p:sldLayoutId id="2147483705" r:id="rId2"/>
     <p:sldLayoutId id="2147483704" r:id="rId3"/>
     <p:sldLayoutId id="2147483707" r:id="rId4"/>
-    <p:sldLayoutId id="2147483708" r:id="rId5"/>
-    <p:sldLayoutId id="2147483709" r:id="rId6"/>
+    <p:sldLayoutId id="2147483709" r:id="rId5"/>
   </p:sldLayoutIdLst>
   <p:timing>
     <p:tnLst>
@@ -6619,13 +7233,17 @@
         <p:spPr>
           <a:xfrm>
             <a:off x="272143" y="1647825"/>
-            <a:ext cx="8479971" cy="4949829"/>
+            <a:ext cx="8536577" cy="902335"/>
           </a:xfrm>
         </p:spPr>
         <p:txBody>
           <a:bodyPr/>
           <a:lstStyle/>
           <a:p>
+            <a:r>
+              <a:rPr lang="en-US" dirty="0"/>
+              <a:t>Who is a builder in objective reality? </a:t>
+            </a:r>
             <a:endParaRPr lang="uk-UA" dirty="0"/>
           </a:p>
         </p:txBody>
@@ -6677,6 +7295,36 @@
           </a:p>
         </p:txBody>
       </p:sp>
+      <p:pic>
+        <p:nvPicPr>
+          <p:cNvPr id="2" name="Рисунок 1"/>
+          <p:cNvPicPr>
+            <a:picLocks noChangeAspect="1"/>
+          </p:cNvPicPr>
+          <p:nvPr/>
+        </p:nvPicPr>
+        <p:blipFill>
+          <a:blip r:embed="rId3">
+            <a:extLst>
+              <a:ext uri="{28A0092B-C50C-407E-A947-70E740481C1C}">
+                <a14:useLocalDpi xmlns:a14="http://schemas.microsoft.com/office/drawing/2010/main" val="0"/>
+              </a:ext>
+            </a:extLst>
+          </a:blip>
+          <a:stretch>
+            <a:fillRect/>
+          </a:stretch>
+        </p:blipFill>
+        <p:spPr>
+          <a:xfrm>
+            <a:off x="-1089" y="3307529"/>
+            <a:ext cx="9144000" cy="3250301"/>
+          </a:xfrm>
+          <a:prstGeom prst="rect">
+            <a:avLst/>
+          </a:prstGeom>
+        </p:spPr>
+      </p:pic>
     </p:spTree>
     <p:extLst>
       <p:ext uri="{BB962C8B-B14F-4D97-AF65-F5344CB8AC3E}">
@@ -6714,48 +7362,40 @@
           <a:chExt cx="0" cy="0"/>
         </a:xfrm>
       </p:grpSpPr>
-      <p:sp>
-        <p:nvSpPr>
-          <p:cNvPr id="2" name="Заголовок 1"/>
-          <p:cNvSpPr>
-            <a:spLocks noGrp="1"/>
-          </p:cNvSpPr>
-          <p:nvPr>
-            <p:ph type="title"/>
-          </p:nvPr>
-        </p:nvSpPr>
-        <p:spPr/>
-        <p:txBody>
-          <a:bodyPr/>
-          <a:lstStyle/>
-          <a:p>
-            <a:endParaRPr lang="uk-UA" dirty="0"/>
-          </a:p>
-        </p:txBody>
-      </p:sp>
-      <p:sp>
-        <p:nvSpPr>
-          <p:cNvPr id="3" name="Текст 2"/>
-          <p:cNvSpPr>
-            <a:spLocks noGrp="1"/>
-          </p:cNvSpPr>
-          <p:nvPr>
-            <p:ph type="body" sz="quarter" idx="10"/>
-          </p:nvPr>
-        </p:nvSpPr>
-        <p:spPr/>
-        <p:txBody>
-          <a:bodyPr/>
-          <a:lstStyle/>
-          <a:p>
-            <a:endParaRPr lang="uk-UA"/>
-          </a:p>
-        </p:txBody>
-      </p:sp>
+      <p:pic>
+        <p:nvPicPr>
+          <p:cNvPr id="4" name="Рисунок 3"/>
+          <p:cNvPicPr>
+            <a:picLocks noChangeAspect="1"/>
+          </p:cNvPicPr>
+          <p:nvPr/>
+        </p:nvPicPr>
+        <p:blipFill>
+          <a:blip r:embed="rId3">
+            <a:extLst>
+              <a:ext uri="{28A0092B-C50C-407E-A947-70E740481C1C}">
+                <a14:useLocalDpi xmlns:a14="http://schemas.microsoft.com/office/drawing/2010/main" val="0"/>
+              </a:ext>
+            </a:extLst>
+          </a:blip>
+          <a:stretch>
+            <a:fillRect/>
+          </a:stretch>
+        </p:blipFill>
+        <p:spPr>
+          <a:xfrm>
+            <a:off x="0" y="230843"/>
+            <a:ext cx="9144000" cy="6286501"/>
+          </a:xfrm>
+          <a:prstGeom prst="rect">
+            <a:avLst/>
+          </a:prstGeom>
+        </p:spPr>
+      </p:pic>
     </p:spTree>
     <p:extLst>
       <p:ext uri="{BB962C8B-B14F-4D97-AF65-F5344CB8AC3E}">
-        <p14:creationId xmlns:p14="http://schemas.microsoft.com/office/powerpoint/2010/main" val="2619061386"/>
+        <p14:creationId xmlns:p14="http://schemas.microsoft.com/office/powerpoint/2010/main" val="2239750496"/>
       </p:ext>
     </p:extLst>
   </p:cSld>
@@ -6784,63 +7424,93 @@
       </p:grpSpPr>
       <p:sp>
         <p:nvSpPr>
-          <p:cNvPr id="14" name="Текст 13"/>
-          <p:cNvSpPr>
-            <a:spLocks noGrp="1"/>
-          </p:cNvSpPr>
-          <p:nvPr>
-            <p:ph type="body" sz="half" idx="2"/>
-          </p:nvPr>
-        </p:nvSpPr>
-        <p:spPr/>
-        <p:txBody>
-          <a:bodyPr/>
-          <a:lstStyle/>
-          <a:p>
-            <a:endParaRPr lang="uk-UA"/>
-          </a:p>
-        </p:txBody>
-      </p:sp>
-      <p:sp>
-        <p:nvSpPr>
-          <p:cNvPr id="13" name="Подзаголовок 12"/>
-          <p:cNvSpPr>
-            <a:spLocks noGrp="1"/>
-          </p:cNvSpPr>
-          <p:nvPr>
-            <p:ph type="subTitle" idx="4294967295"/>
-          </p:nvPr>
+          <p:cNvPr id="5" name="Заголовок 5"/>
+          <p:cNvSpPr txBox="1">
+            <a:spLocks/>
+          </p:cNvSpPr>
+          <p:nvPr/>
         </p:nvSpPr>
         <p:spPr>
           <a:xfrm>
-            <a:off x="272143" y="908050"/>
-            <a:ext cx="8674220" cy="501650"/>
+            <a:off x="253886" y="796264"/>
+            <a:ext cx="8674214" cy="525970"/>
           </a:xfrm>
+          <a:prstGeom prst="rect">
+            <a:avLst/>
+          </a:prstGeom>
         </p:spPr>
         <p:txBody>
           <a:bodyPr/>
-          <a:lstStyle/>
-          <a:p>
-            <a:endParaRPr lang="uk-UA"/>
+          <a:lstStyle>
+            <a:lvl1pPr algn="l" defTabSz="914400" rtl="0" eaLnBrk="1" latinLnBrk="0" hangingPunct="1">
+              <a:lnSpc>
+                <a:spcPct val="90000"/>
+              </a:lnSpc>
+              <a:spcBef>
+                <a:spcPct val="0"/>
+              </a:spcBef>
+              <a:buNone/>
+              <a:defRPr sz="4400" kern="1200">
+                <a:solidFill>
+                  <a:schemeClr val="accent1"/>
+                </a:solidFill>
+                <a:latin typeface="+mj-lt"/>
+                <a:ea typeface="+mj-ea"/>
+                <a:cs typeface="+mj-cs"/>
+              </a:defRPr>
+            </a:lvl1pPr>
+          </a:lstStyle>
+          <a:p>
+            <a:r>
+              <a:rPr lang="en-US" dirty="0" smtClean="0"/>
+              <a:t>Builder</a:t>
+            </a:r>
+            <a:r>
+              <a:rPr lang="uk-UA" dirty="0" smtClean="0"/>
+              <a:t> </a:t>
+            </a:r>
+            <a:r>
+              <a:rPr lang="en-US" dirty="0" smtClean="0"/>
+              <a:t>UML</a:t>
+            </a:r>
+            <a:endParaRPr lang="uk-UA" dirty="0"/>
           </a:p>
         </p:txBody>
       </p:sp>
-      <p:sp>
-        <p:nvSpPr>
-          <p:cNvPr id="5" name="Chart Placeholder 4"/>
-          <p:cNvSpPr>
-            <a:spLocks noGrp="1"/>
-          </p:cNvSpPr>
-          <p:nvPr>
-            <p:ph type="chart" sz="quarter" idx="10"/>
-          </p:nvPr>
-        </p:nvSpPr>
-        <p:spPr/>
-      </p:sp>
+      <p:pic>
+        <p:nvPicPr>
+          <p:cNvPr id="4" name="Рисунок 3"/>
+          <p:cNvPicPr>
+            <a:picLocks noChangeAspect="1"/>
+          </p:cNvPicPr>
+          <p:nvPr/>
+        </p:nvPicPr>
+        <p:blipFill>
+          <a:blip r:embed="rId2">
+            <a:extLst>
+              <a:ext uri="{28A0092B-C50C-407E-A947-70E740481C1C}">
+                <a14:useLocalDpi xmlns:a14="http://schemas.microsoft.com/office/drawing/2010/main" val="0"/>
+              </a:ext>
+            </a:extLst>
+          </a:blip>
+          <a:stretch>
+            <a:fillRect/>
+          </a:stretch>
+        </p:blipFill>
+        <p:spPr>
+          <a:xfrm>
+            <a:off x="71175" y="1935356"/>
+            <a:ext cx="9039635" cy="3433235"/>
+          </a:xfrm>
+          <a:prstGeom prst="rect">
+            <a:avLst/>
+          </a:prstGeom>
+        </p:spPr>
+      </p:pic>
     </p:spTree>
     <p:extLst>
       <p:ext uri="{BB962C8B-B14F-4D97-AF65-F5344CB8AC3E}">
-        <p14:creationId xmlns:p14="http://schemas.microsoft.com/office/powerpoint/2010/main" val="3137827218"/>
+        <p14:creationId xmlns:p14="http://schemas.microsoft.com/office/powerpoint/2010/main" val="1922323378"/>
       </p:ext>
     </p:extLst>
   </p:cSld>
@@ -6874,14 +7544,365 @@
           <a:chExt cx="0" cy="0"/>
         </a:xfrm>
       </p:grpSpPr>
-      <p:sp>
-        <p:nvSpPr>
-          <p:cNvPr id="17" name="Текст 16"/>
+      <p:pic>
+        <p:nvPicPr>
+          <p:cNvPr id="4" name="Рисунок 3"/>
+          <p:cNvPicPr>
+            <a:picLocks noChangeAspect="1"/>
+          </p:cNvPicPr>
+          <p:nvPr/>
+        </p:nvPicPr>
+        <p:blipFill>
+          <a:blip r:embed="rId3">
+            <a:extLst>
+              <a:ext uri="{28A0092B-C50C-407E-A947-70E740481C1C}">
+                <a14:useLocalDpi xmlns:a14="http://schemas.microsoft.com/office/drawing/2010/main" val="0"/>
+              </a:ext>
+            </a:extLst>
+          </a:blip>
+          <a:stretch>
+            <a:fillRect/>
+          </a:stretch>
+        </p:blipFill>
+        <p:spPr>
+          <a:xfrm>
+            <a:off x="3131299" y="0"/>
+            <a:ext cx="6012701" cy="6599492"/>
+          </a:xfrm>
+          <a:prstGeom prst="rect">
+            <a:avLst/>
+          </a:prstGeom>
+        </p:spPr>
+      </p:pic>
+      <p:sp>
+        <p:nvSpPr>
+          <p:cNvPr id="5" name="Заголовок 5"/>
+          <p:cNvSpPr txBox="1">
+            <a:spLocks/>
+          </p:cNvSpPr>
+          <p:nvPr/>
+        </p:nvSpPr>
+        <p:spPr>
+          <a:xfrm>
+            <a:off x="172606" y="654024"/>
+            <a:ext cx="2641714" cy="525970"/>
+          </a:xfrm>
+          <a:prstGeom prst="rect">
+            <a:avLst/>
+          </a:prstGeom>
+        </p:spPr>
+        <p:txBody>
+          <a:bodyPr/>
+          <a:lstStyle>
+            <a:lvl1pPr algn="l" defTabSz="914400" rtl="0" eaLnBrk="1" latinLnBrk="0" hangingPunct="1">
+              <a:lnSpc>
+                <a:spcPct val="90000"/>
+              </a:lnSpc>
+              <a:spcBef>
+                <a:spcPct val="0"/>
+              </a:spcBef>
+              <a:buNone/>
+              <a:defRPr sz="4400" kern="1200">
+                <a:solidFill>
+                  <a:schemeClr val="accent1"/>
+                </a:solidFill>
+                <a:latin typeface="+mj-lt"/>
+                <a:ea typeface="+mj-ea"/>
+                <a:cs typeface="+mj-cs"/>
+              </a:defRPr>
+            </a:lvl1pPr>
+          </a:lstStyle>
+          <a:p>
+            <a:r>
+              <a:rPr lang="en-US" dirty="0"/>
+              <a:t>Builder</a:t>
+            </a:r>
+            <a:endParaRPr lang="uk-UA" dirty="0"/>
+          </a:p>
+        </p:txBody>
+      </p:sp>
+    </p:spTree>
+    <p:extLst>
+      <p:ext uri="{BB962C8B-B14F-4D97-AF65-F5344CB8AC3E}">
+        <p14:creationId xmlns:p14="http://schemas.microsoft.com/office/powerpoint/2010/main" val="2619061386"/>
+      </p:ext>
+    </p:extLst>
+  </p:cSld>
+  <p:clrMapOvr>
+    <a:masterClrMapping/>
+  </p:clrMapOvr>
+</p:sld>
+</file>
+
+<file path=ppt/slides/slide15.xml><?xml version="1.0" encoding="utf-8"?>
+<p:sld xmlns:a="http://schemas.openxmlformats.org/drawingml/2006/main" xmlns:r="http://schemas.openxmlformats.org/officeDocument/2006/relationships" xmlns:p="http://schemas.openxmlformats.org/presentationml/2006/main">
+  <p:cSld>
+    <p:spTree>
+      <p:nvGrpSpPr>
+        <p:cNvPr id="1" name=""/>
+        <p:cNvGrpSpPr/>
+        <p:nvPr/>
+      </p:nvGrpSpPr>
+      <p:grpSpPr>
+        <a:xfrm>
+          <a:off x="0" y="0"/>
+          <a:ext cx="0" cy="0"/>
+          <a:chOff x="0" y="0"/>
+          <a:chExt cx="0" cy="0"/>
+        </a:xfrm>
+      </p:grpSpPr>
+      <p:sp>
+        <p:nvSpPr>
+          <p:cNvPr id="4" name="Текст 2"/>
           <p:cNvSpPr>
             <a:spLocks noGrp="1"/>
           </p:cNvSpPr>
           <p:nvPr>
-            <p:ph type="body" sz="half" idx="2"/>
+            <p:ph type="body" sz="quarter" idx="10"/>
+          </p:nvPr>
+        </p:nvSpPr>
+        <p:spPr>
+          <a:xfrm>
+            <a:off x="272143" y="1233488"/>
+            <a:ext cx="8674213" cy="4391025"/>
+          </a:xfrm>
+        </p:spPr>
+        <p:txBody>
+          <a:bodyPr/>
+          <a:lstStyle/>
+          <a:p>
+            <a:pPr marL="0" indent="0">
+              <a:buNone/>
+            </a:pPr>
+            <a:r>
+              <a:rPr lang="en-US" b="1" dirty="0"/>
+              <a:t>The </a:t>
+            </a:r>
+            <a:r>
+              <a:rPr lang="en-US" b="1" dirty="0" smtClean="0"/>
+              <a:t>Builder</a:t>
+            </a:r>
+            <a:r>
+              <a:rPr lang="en-US" b="1" dirty="0" smtClean="0"/>
+              <a:t> </a:t>
+            </a:r>
+            <a:r>
+              <a:rPr lang="en-US" b="1" dirty="0"/>
+              <a:t>pattern has the following advantages:</a:t>
+            </a:r>
+          </a:p>
+          <a:p>
+            <a:pPr marL="171450" indent="-171450">
+              <a:buFont typeface="Arial" panose="020B0604020202020204" pitchFamily="34" charset="0"/>
+              <a:buChar char="•"/>
+            </a:pPr>
+            <a:r>
+              <a:rPr lang="en-US" dirty="0" smtClean="0"/>
+              <a:t> Allows </a:t>
+            </a:r>
+            <a:r>
+              <a:rPr lang="en-US" dirty="0"/>
+              <a:t>you to change the composition of the product.</a:t>
+            </a:r>
+          </a:p>
+          <a:p>
+            <a:r>
+              <a:rPr lang="en-US" dirty="0"/>
+              <a:t>Hides the code that implements the construction and presentation</a:t>
+            </a:r>
+            <a:r>
+              <a:rPr lang="en-US" dirty="0" smtClean="0"/>
+              <a:t>.</a:t>
+            </a:r>
+          </a:p>
+          <a:p>
+            <a:r>
+              <a:rPr lang="en-US" dirty="0"/>
+              <a:t>Provides full control over the process of building the product</a:t>
+            </a:r>
+            <a:r>
+              <a:rPr lang="en-US" dirty="0" smtClean="0"/>
+              <a:t>.</a:t>
+            </a:r>
+          </a:p>
+          <a:p>
+            <a:pPr marL="0" indent="0">
+              <a:buNone/>
+            </a:pPr>
+            <a:endParaRPr lang="en-US" dirty="0"/>
+          </a:p>
+        </p:txBody>
+      </p:sp>
+      <p:sp>
+        <p:nvSpPr>
+          <p:cNvPr id="5" name="Заголовок 5"/>
+          <p:cNvSpPr txBox="1">
+            <a:spLocks noGrp="1"/>
+          </p:cNvSpPr>
+          <p:nvPr>
+            <p:ph type="title"/>
+          </p:nvPr>
+        </p:nvSpPr>
+        <p:spPr>
+          <a:prstGeom prst="rect">
+            <a:avLst/>
+          </a:prstGeom>
+        </p:spPr>
+        <p:txBody>
+          <a:bodyPr/>
+          <a:lstStyle>
+            <a:lvl1pPr algn="l" defTabSz="914400" rtl="0" eaLnBrk="1" latinLnBrk="0" hangingPunct="1">
+              <a:lnSpc>
+                <a:spcPct val="90000"/>
+              </a:lnSpc>
+              <a:spcBef>
+                <a:spcPct val="0"/>
+              </a:spcBef>
+              <a:buNone/>
+              <a:defRPr sz="4400" kern="1200">
+                <a:solidFill>
+                  <a:schemeClr val="accent1"/>
+                </a:solidFill>
+                <a:latin typeface="+mj-lt"/>
+                <a:ea typeface="+mj-ea"/>
+                <a:cs typeface="+mj-cs"/>
+              </a:defRPr>
+            </a:lvl1pPr>
+          </a:lstStyle>
+          <a:p>
+            <a:r>
+              <a:rPr lang="en-US" dirty="0"/>
+              <a:t>Builder</a:t>
+            </a:r>
+            <a:endParaRPr lang="uk-UA" dirty="0"/>
+          </a:p>
+        </p:txBody>
+      </p:sp>
+    </p:spTree>
+    <p:extLst>
+      <p:ext uri="{BB962C8B-B14F-4D97-AF65-F5344CB8AC3E}">
+        <p14:creationId xmlns:p14="http://schemas.microsoft.com/office/powerpoint/2010/main" val="3334993584"/>
+      </p:ext>
+    </p:extLst>
+  </p:cSld>
+  <p:clrMapOvr>
+    <a:masterClrMapping/>
+  </p:clrMapOvr>
+</p:sld>
+</file>
+
+<file path=ppt/slides/slide16.xml><?xml version="1.0" encoding="utf-8"?>
+<p:sld xmlns:a="http://schemas.openxmlformats.org/drawingml/2006/main" xmlns:r="http://schemas.openxmlformats.org/officeDocument/2006/relationships" xmlns:p="http://schemas.openxmlformats.org/presentationml/2006/main">
+  <p:cSld>
+    <p:spTree>
+      <p:nvGrpSpPr>
+        <p:cNvPr id="1" name=""/>
+        <p:cNvGrpSpPr/>
+        <p:nvPr/>
+      </p:nvGrpSpPr>
+      <p:grpSpPr>
+        <a:xfrm>
+          <a:off x="0" y="0"/>
+          <a:ext cx="0" cy="0"/>
+          <a:chOff x="0" y="0"/>
+          <a:chExt cx="0" cy="0"/>
+        </a:xfrm>
+      </p:grpSpPr>
+      <p:sp>
+        <p:nvSpPr>
+          <p:cNvPr id="3" name="Text Placeholder 2"/>
+          <p:cNvSpPr>
+            <a:spLocks noGrp="1"/>
+          </p:cNvSpPr>
+          <p:nvPr>
+            <p:ph type="body" sz="quarter" idx="10"/>
+          </p:nvPr>
+        </p:nvSpPr>
+        <p:spPr>
+          <a:xfrm>
+            <a:off x="272144" y="1965960"/>
+            <a:ext cx="8675404" cy="4665985"/>
+          </a:xfrm>
+        </p:spPr>
+        <p:txBody>
+          <a:bodyPr/>
+          <a:lstStyle/>
+          <a:p>
+            <a:pPr marL="342900" indent="-342900">
+              <a:buFont typeface="Arial" panose="020B0604020202020204" pitchFamily="34" charset="0"/>
+              <a:buChar char="•"/>
+            </a:pPr>
+            <a:r>
+              <a:rPr lang="en-US" dirty="0" smtClean="0"/>
+              <a:t>Abstract Factory</a:t>
+            </a:r>
+          </a:p>
+          <a:p>
+            <a:pPr marL="342900" indent="-342900">
+              <a:buFont typeface="Arial" panose="020B0604020202020204" pitchFamily="34" charset="0"/>
+              <a:buChar char="•"/>
+            </a:pPr>
+            <a:r>
+              <a:rPr lang="en-US" dirty="0" smtClean="0"/>
+              <a:t>Builder</a:t>
+            </a:r>
+          </a:p>
+          <a:p>
+            <a:pPr marL="342900" indent="-342900">
+              <a:buFont typeface="Arial" panose="020B0604020202020204" pitchFamily="34" charset="0"/>
+              <a:buChar char="•"/>
+            </a:pPr>
+            <a:r>
+              <a:rPr lang="en-US" b="1" dirty="0"/>
+              <a:t>Factory </a:t>
+            </a:r>
+            <a:r>
+              <a:rPr lang="en-US" b="1" dirty="0" smtClean="0"/>
+              <a:t>Method</a:t>
+            </a:r>
+          </a:p>
+          <a:p>
+            <a:r>
+              <a:rPr lang="en-US" b="1" dirty="0" smtClean="0"/>
+              <a:t>	(</a:t>
+            </a:r>
+            <a:r>
+              <a:rPr lang="en-US" b="1" dirty="0"/>
+              <a:t>Virtual Constructor)</a:t>
+            </a:r>
+            <a:endParaRPr lang="en-US" b="1" dirty="0" smtClean="0"/>
+          </a:p>
+          <a:p>
+            <a:pPr marL="342900" indent="-342900">
+              <a:buFont typeface="Arial" panose="020B0604020202020204" pitchFamily="34" charset="0"/>
+              <a:buChar char="•"/>
+            </a:pPr>
+            <a:r>
+              <a:rPr lang="en-US" dirty="0" smtClean="0"/>
+              <a:t>Prototype</a:t>
+            </a:r>
+          </a:p>
+          <a:p>
+            <a:pPr marL="342900" indent="-342900">
+              <a:buFont typeface="Arial" panose="020B0604020202020204" pitchFamily="34" charset="0"/>
+              <a:buChar char="•"/>
+            </a:pPr>
+            <a:r>
+              <a:rPr lang="en-US" dirty="0"/>
+              <a:t>Singleton</a:t>
+            </a:r>
+            <a:endParaRPr lang="uk-UA" dirty="0"/>
+          </a:p>
+        </p:txBody>
+      </p:sp>
+      <p:sp>
+        <p:nvSpPr>
+          <p:cNvPr id="2" name="Subtitle 1"/>
+          <p:cNvSpPr>
+            <a:spLocks noGrp="1"/>
+          </p:cNvSpPr>
+          <p:nvPr>
+            <p:ph type="subTitle" idx="1"/>
           </p:nvPr>
         </p:nvSpPr>
         <p:spPr/>
@@ -6889,45 +7910,47 @@
           <a:bodyPr/>
           <a:lstStyle/>
           <a:p>
-            <a:endParaRPr lang="uk-UA"/>
+            <a:r>
+              <a:rPr lang="en-US" dirty="0" smtClean="0"/>
+              <a:t>Agenda</a:t>
+            </a:r>
+            <a:endParaRPr lang="uk-UA" dirty="0"/>
           </a:p>
         </p:txBody>
       </p:sp>
-      <p:sp>
-        <p:nvSpPr>
-          <p:cNvPr id="18" name="Диаграмма 17"/>
-          <p:cNvSpPr>
-            <a:spLocks noGrp="1"/>
-          </p:cNvSpPr>
-          <p:nvPr>
-            <p:ph type="chart" sz="quarter" idx="10"/>
-          </p:nvPr>
-        </p:nvSpPr>
-        <p:spPr/>
-      </p:sp>
-      <p:sp>
-        <p:nvSpPr>
-          <p:cNvPr id="16" name="Подзаголовок 15"/>
-          <p:cNvSpPr>
-            <a:spLocks noGrp="1"/>
-          </p:cNvSpPr>
-          <p:nvPr>
-            <p:ph type="subTitle" idx="1"/>
-          </p:nvPr>
-        </p:nvSpPr>
-        <p:spPr/>
-        <p:txBody>
-          <a:bodyPr/>
-          <a:lstStyle/>
-          <a:p>
-            <a:endParaRPr lang="uk-UA"/>
-          </a:p>
-        </p:txBody>
-      </p:sp>
+      <p:pic>
+        <p:nvPicPr>
+          <p:cNvPr id="5" name="Рисунок 4"/>
+          <p:cNvPicPr>
+            <a:picLocks noChangeAspect="1"/>
+          </p:cNvPicPr>
+          <p:nvPr/>
+        </p:nvPicPr>
+        <p:blipFill rotWithShape="1">
+          <a:blip r:embed="rId3">
+            <a:extLst>
+              <a:ext uri="{28A0092B-C50C-407E-A947-70E740481C1C}">
+                <a14:useLocalDpi xmlns:a14="http://schemas.microsoft.com/office/drawing/2010/main" val="0"/>
+              </a:ext>
+            </a:extLst>
+          </a:blip>
+          <a:srcRect l="9103" r="8657"/>
+          <a:stretch/>
+        </p:blipFill>
+        <p:spPr>
+          <a:xfrm>
+            <a:off x="4423143" y="1265718"/>
+            <a:ext cx="3838355" cy="4667250"/>
+          </a:xfrm>
+          <a:prstGeom prst="rect">
+            <a:avLst/>
+          </a:prstGeom>
+        </p:spPr>
+      </p:pic>
     </p:spTree>
     <p:extLst>
       <p:ext uri="{BB962C8B-B14F-4D97-AF65-F5344CB8AC3E}">
-        <p14:creationId xmlns:p14="http://schemas.microsoft.com/office/powerpoint/2010/main" val="1515974343"/>
+        <p14:creationId xmlns:p14="http://schemas.microsoft.com/office/powerpoint/2010/main" val="2081417967"/>
       </p:ext>
     </p:extLst>
   </p:cSld>
@@ -6944,7 +7967,105 @@
 </p:sld>
 </file>
 
-<file path=ppt/slides/slide15.xml><?xml version="1.0" encoding="utf-8"?>
+<file path=ppt/slides/slide17.xml><?xml version="1.0" encoding="utf-8"?>
+<p:sld xmlns:a="http://schemas.openxmlformats.org/drawingml/2006/main" xmlns:r="http://schemas.openxmlformats.org/officeDocument/2006/relationships" xmlns:p="http://schemas.openxmlformats.org/presentationml/2006/main">
+  <p:cSld>
+    <p:spTree>
+      <p:nvGrpSpPr>
+        <p:cNvPr id="1" name=""/>
+        <p:cNvGrpSpPr/>
+        <p:nvPr/>
+      </p:nvGrpSpPr>
+      <p:grpSpPr>
+        <a:xfrm>
+          <a:off x="0" y="0"/>
+          <a:ext cx="0" cy="0"/>
+          <a:chOff x="0" y="0"/>
+          <a:chExt cx="0" cy="0"/>
+        </a:xfrm>
+      </p:grpSpPr>
+      <p:sp>
+        <p:nvSpPr>
+          <p:cNvPr id="5" name="Заголовок 5"/>
+          <p:cNvSpPr txBox="1">
+            <a:spLocks/>
+          </p:cNvSpPr>
+          <p:nvPr/>
+        </p:nvSpPr>
+        <p:spPr>
+          <a:xfrm>
+            <a:off x="253886" y="796264"/>
+            <a:ext cx="8674214" cy="525970"/>
+          </a:xfrm>
+          <a:prstGeom prst="rect">
+            <a:avLst/>
+          </a:prstGeom>
+        </p:spPr>
+        <p:txBody>
+          <a:bodyPr/>
+          <a:lstStyle>
+            <a:lvl1pPr algn="l" defTabSz="914400" rtl="0" eaLnBrk="1" latinLnBrk="0" hangingPunct="1">
+              <a:lnSpc>
+                <a:spcPct val="90000"/>
+              </a:lnSpc>
+              <a:spcBef>
+                <a:spcPct val="0"/>
+              </a:spcBef>
+              <a:buNone/>
+              <a:defRPr sz="4400" kern="1200">
+                <a:solidFill>
+                  <a:schemeClr val="accent1"/>
+                </a:solidFill>
+                <a:latin typeface="+mj-lt"/>
+                <a:ea typeface="+mj-ea"/>
+                <a:cs typeface="+mj-cs"/>
+              </a:defRPr>
+            </a:lvl1pPr>
+          </a:lstStyle>
+          <a:p>
+            <a:r>
+              <a:rPr lang="en-US" dirty="0" smtClean="0"/>
+              <a:t>Factory Method </a:t>
+            </a:r>
+          </a:p>
+          <a:p>
+            <a:r>
+              <a:rPr lang="en-US" dirty="0" smtClean="0"/>
+              <a:t>(</a:t>
+            </a:r>
+            <a:r>
+              <a:rPr lang="en-US" dirty="0"/>
+              <a:t>Virtual </a:t>
+            </a:r>
+            <a:r>
+              <a:rPr lang="en-US" dirty="0" smtClean="0"/>
+              <a:t>Constructor)</a:t>
+            </a:r>
+            <a:endParaRPr lang="uk-UA" dirty="0"/>
+          </a:p>
+        </p:txBody>
+      </p:sp>
+    </p:spTree>
+    <p:extLst>
+      <p:ext uri="{BB962C8B-B14F-4D97-AF65-F5344CB8AC3E}">
+        <p14:creationId xmlns:p14="http://schemas.microsoft.com/office/powerpoint/2010/main" val="3311026540"/>
+      </p:ext>
+    </p:extLst>
+  </p:cSld>
+  <p:clrMapOvr>
+    <a:masterClrMapping/>
+  </p:clrMapOvr>
+  <p:timing>
+    <p:tnLst>
+      <p:par>
+        <p:cTn id="1" dur="indefinite" restart="never" nodeType="tmRoot"/>
+      </p:par>
+    </p:tnLst>
+  </p:timing>
+</p:sld>
+</file>
+
+<file path=ppt/slides/slide18.xml><?xml version="1.0" encoding="utf-8"?>
 <p:sld xmlns:a="http://schemas.openxmlformats.org/drawingml/2006/main" xmlns:r="http://schemas.openxmlformats.org/officeDocument/2006/relationships" xmlns:p="http://schemas.openxmlformats.org/presentationml/2006/main">
   <p:cSld>
     <p:spTree>
